--- a/pre.pptx
+++ b/pre.pptx
@@ -111,7 +111,7 @@
   <p:extLst>
     <p:ext uri="{EFAFB233-063F-42B5-8137-9DF3F51BA10A}">
       <p15:sldGuideLst xmlns:p15="http://schemas.microsoft.com/office/powerpoint/2012/main">
-        <p15:guide id="1" orient="horz" pos="2152" userDrawn="1">
+        <p15:guide id="1" orient="horz" pos="2117" userDrawn="1">
           <p15:clr>
             <a:srgbClr val="A4A3A4"/>
           </p15:clr>
@@ -3209,9 +3209,120 @@
           </a:p>
         </p:txBody>
       </p:sp>
+      <p:sp>
+        <p:nvSpPr>
+          <p:cNvPr id="17" name="文本框 16"/>
+          <p:cNvSpPr txBox="1"/>
+          <p:nvPr/>
+        </p:nvSpPr>
+        <p:spPr>
+          <a:xfrm>
+            <a:off x="774700" y="5465445"/>
+            <a:ext cx="10894060" cy="368300"/>
+          </a:xfrm>
+          <a:prstGeom prst="rect">
+            <a:avLst/>
+          </a:prstGeom>
+          <a:noFill/>
+        </p:spPr>
+        <p:txBody>
+          <a:bodyPr wrap="square" rtlCol="0">
+            <a:spAutoFit/>
+          </a:bodyPr>
+          <a:p>
+            <a:r>
+              <a:rPr lang="en-US" altLang="zh-CN">
+                <a:highlight>
+                  <a:srgbClr val="FFFF00"/>
+                </a:highlight>
+              </a:rPr>
+              <a:t>antigen.epitope</a:t>
+            </a:r>
+            <a:r>
+              <a:rPr lang="en-US" altLang="zh-CN"/>
+              <a:t>: The sequence of antigenic epitope </a:t>
+            </a:r>
+            <a:endParaRPr lang="en-US" altLang="zh-CN"/>
+          </a:p>
+        </p:txBody>
+      </p:sp>
+      <p:sp>
+        <p:nvSpPr>
+          <p:cNvPr id="18" name="文本框 17"/>
+          <p:cNvSpPr txBox="1"/>
+          <p:nvPr/>
+        </p:nvSpPr>
+        <p:spPr>
+          <a:xfrm>
+            <a:off x="815340" y="3360420"/>
+            <a:ext cx="10894060" cy="645160"/>
+          </a:xfrm>
+          <a:prstGeom prst="rect">
+            <a:avLst/>
+          </a:prstGeom>
+          <a:noFill/>
+        </p:spPr>
+        <p:txBody>
+          <a:bodyPr wrap="square" rtlCol="0">
+            <a:spAutoFit/>
+          </a:bodyPr>
+          <a:p>
+            <a:r>
+              <a:rPr lang="en-US" altLang="zh-CN">
+                <a:highlight>
+                  <a:srgbClr val="FFFF00"/>
+                </a:highlight>
+              </a:rPr>
+              <a:t>cdr3</a:t>
+            </a:r>
+            <a:r>
+              <a:rPr lang="en-US" altLang="zh-CN"/>
+              <a:t>: Each TCR is made up of a pair of proteins, they are TRA and TRB in this table. so cdr3 is a sequence of TRA or TRB</a:t>
+            </a:r>
+            <a:endParaRPr lang="en-US" altLang="zh-CN"/>
+          </a:p>
+        </p:txBody>
+      </p:sp>
+      <p:sp>
+        <p:nvSpPr>
+          <p:cNvPr id="19" name="文本框 18"/>
+          <p:cNvSpPr txBox="1"/>
+          <p:nvPr/>
+        </p:nvSpPr>
+        <p:spPr>
+          <a:xfrm>
+            <a:off x="774700" y="6070600"/>
+            <a:ext cx="10894060" cy="368300"/>
+          </a:xfrm>
+          <a:prstGeom prst="rect">
+            <a:avLst/>
+          </a:prstGeom>
+          <a:noFill/>
+        </p:spPr>
+        <p:txBody>
+          <a:bodyPr wrap="square" rtlCol="0">
+            <a:spAutoFit/>
+          </a:bodyPr>
+          <a:p>
+            <a:r>
+              <a:rPr lang="en-US" altLang="zh-CN">
+                <a:highlight>
+                  <a:srgbClr val="FFFF00"/>
+                </a:highlight>
+              </a:rPr>
+              <a:t>vdjdb.score</a:t>
+            </a:r>
+            <a:r>
+              <a:rPr lang="en-US" altLang="zh-CN"/>
+              <a:t>: Effectiveness of the TCR against antigen</a:t>
+            </a:r>
+            <a:endParaRPr lang="en-US" altLang="zh-CN"/>
+          </a:p>
+        </p:txBody>
+      </p:sp>
       <p:pic>
         <p:nvPicPr>
-          <p:cNvPr id="16" name="图片 15"/>
+          <p:cNvPr id="2" name="图片 1"/>
           <p:cNvPicPr>
             <a:picLocks noChangeAspect="1"/>
           </p:cNvPicPr>
@@ -3225,8 +3336,8 @@
         </p:blipFill>
         <p:spPr>
           <a:xfrm>
-            <a:off x="4171315" y="2126615"/>
-            <a:ext cx="3435350" cy="1073150"/>
+            <a:off x="3822065" y="2106930"/>
+            <a:ext cx="4133850" cy="1073150"/>
           </a:xfrm>
           <a:prstGeom prst="rect">
             <a:avLst/>
@@ -3235,13 +3346,13 @@
       </p:pic>
       <p:sp>
         <p:nvSpPr>
-          <p:cNvPr id="17" name="文本框 16"/>
+          <p:cNvPr id="3" name="文本框 2"/>
           <p:cNvSpPr txBox="1"/>
           <p:nvPr/>
         </p:nvSpPr>
         <p:spPr>
           <a:xfrm>
-            <a:off x="774700" y="4808220"/>
+            <a:off x="774700" y="4853940"/>
             <a:ext cx="10894060" cy="368300"/>
           </a:xfrm>
           <a:prstGeom prst="rect">
@@ -3260,85 +3371,11 @@
                   <a:srgbClr val="FFFF00"/>
                 </a:highlight>
               </a:rPr>
-              <a:t>antigen.epitope</a:t>
+              <a:t>species</a:t>
             </a:r>
             <a:r>
               <a:rPr lang="en-US" altLang="zh-CN"/>
-              <a:t>: The sequence of antigenic epitope </a:t>
-            </a:r>
-            <a:endParaRPr lang="en-US" altLang="zh-CN"/>
-          </a:p>
-        </p:txBody>
-      </p:sp>
-      <p:sp>
-        <p:nvSpPr>
-          <p:cNvPr id="18" name="文本框 17"/>
-          <p:cNvSpPr txBox="1"/>
-          <p:nvPr/>
-        </p:nvSpPr>
-        <p:spPr>
-          <a:xfrm>
-            <a:off x="815340" y="3360420"/>
-            <a:ext cx="10894060" cy="645160"/>
-          </a:xfrm>
-          <a:prstGeom prst="rect">
-            <a:avLst/>
-          </a:prstGeom>
-          <a:noFill/>
-        </p:spPr>
-        <p:txBody>
-          <a:bodyPr wrap="square" rtlCol="0">
-            <a:spAutoFit/>
-          </a:bodyPr>
-          <a:p>
-            <a:r>
-              <a:rPr lang="en-US" altLang="zh-CN">
-                <a:highlight>
-                  <a:srgbClr val="FFFF00"/>
-                </a:highlight>
-              </a:rPr>
-              <a:t>cdr3</a:t>
-            </a:r>
-            <a:r>
-              <a:rPr lang="en-US" altLang="zh-CN"/>
-              <a:t>: Each TCR is made up of a pair of proteins, they are TRA and TRB in this table. so cdr3 is a sequence of TRA or TRB</a:t>
-            </a:r>
-            <a:endParaRPr lang="en-US" altLang="zh-CN"/>
-          </a:p>
-        </p:txBody>
-      </p:sp>
-      <p:sp>
-        <p:nvSpPr>
-          <p:cNvPr id="19" name="文本框 18"/>
-          <p:cNvSpPr txBox="1"/>
-          <p:nvPr/>
-        </p:nvSpPr>
-        <p:spPr>
-          <a:xfrm>
-            <a:off x="774700" y="5447665"/>
-            <a:ext cx="10894060" cy="368300"/>
-          </a:xfrm>
-          <a:prstGeom prst="rect">
-            <a:avLst/>
-          </a:prstGeom>
-          <a:noFill/>
-        </p:spPr>
-        <p:txBody>
-          <a:bodyPr wrap="square" rtlCol="0">
-            <a:spAutoFit/>
-          </a:bodyPr>
-          <a:p>
-            <a:r>
-              <a:rPr lang="en-US" altLang="zh-CN">
-                <a:highlight>
-                  <a:srgbClr val="FFFF00"/>
-                </a:highlight>
-              </a:rPr>
-              <a:t>vdjdb.score</a:t>
-            </a:r>
-            <a:r>
-              <a:rPr lang="en-US" altLang="zh-CN"/>
-              <a:t>: Effectiveness of the TCR against antigen</a:t>
+              <a:t>: TCR parent species</a:t>
             </a:r>
             <a:endParaRPr lang="en-US" altLang="zh-CN"/>
           </a:p>
@@ -3397,7 +3434,7 @@
         </p:nvSpPr>
         <p:spPr>
           <a:xfrm>
-            <a:off x="10121900" y="4134485"/>
+            <a:off x="10121900" y="4383405"/>
             <a:ext cx="1251585" cy="368300"/>
           </a:xfrm>
           <a:prstGeom prst="rect">
@@ -3455,8 +3492,8 @@
         </p:nvSpPr>
         <p:spPr>
           <a:xfrm>
-            <a:off x="991870" y="6408420"/>
-            <a:ext cx="2082800" cy="337185"/>
+            <a:off x="1270635" y="6287770"/>
+            <a:ext cx="1487170" cy="337185"/>
           </a:xfrm>
           <a:prstGeom prst="rect">
             <a:avLst/>
@@ -3470,7 +3507,7 @@
           <a:p>
             <a:r>
               <a:rPr lang="en-US" altLang="zh-CN" sz="1600"/>
-              <a:t>matrix: 21</a:t>
+              <a:t>matrix: 39</a:t>
             </a:r>
             <a:r>
               <a:rPr lang="zh-CN" altLang="en-US" sz="1600"/>
@@ -3492,8 +3529,8 @@
         </p:nvSpPr>
         <p:spPr>
           <a:xfrm>
-            <a:off x="104140" y="4721860"/>
-            <a:ext cx="3743325" cy="635635"/>
+            <a:off x="6350" y="5148580"/>
+            <a:ext cx="4003040" cy="920115"/>
           </a:xfrm>
           <a:prstGeom prst="rect">
             <a:avLst/>
@@ -3507,7 +3544,7 @@
           <a:p>
             <a:r>
               <a:rPr lang="en-US" sz="1000"/>
-              <a:t>TRA : 'C': { [0, 1, 0, 0, 0, 0, 0, 0, 0, 0, 0, 0, 0, 0, 0, 0, 0, 0, 0, 0],</a:t>
+              <a:t>TRA+TRB : 'C': { [0, 1, 0, 0, 0, 0, 0, 0, 0, 0, 0, 0, 0, 0, 0, 0, 0, 0, 0, 0],</a:t>
             </a:r>
             <a:endParaRPr lang="en-US" sz="1000"/>
           </a:p>
@@ -3534,7 +3571,7 @@
               <a:rPr lang="en-US" sz="1000">
                 <a:sym typeface="+mn-ea"/>
               </a:rPr>
-              <a:t>          ‘ ’ :   [0, 0, 0, 0, 0, 0, 0, 0, 0, 0, 0, 0, 0, 0, 0, 0, 0, 0, 0, 0] }</a:t>
+              <a:t>                   ‘ ’ :   [0, 0, 0, 0, 0, 0, 0, 0, 0, 0, 0, 0, 0, 0, 0, 0, 0, 0, 0, 0] }</a:t>
             </a:r>
             <a:endParaRPr lang="en-US" sz="1000"/>
           </a:p>
@@ -3548,7 +3585,7 @@
         </p:nvSpPr>
         <p:spPr>
           <a:xfrm>
-            <a:off x="1620520" y="4039235"/>
+            <a:off x="4066540" y="4383405"/>
             <a:ext cx="710565" cy="368300"/>
           </a:xfrm>
           <a:prstGeom prst="rect">
@@ -3585,7 +3622,7 @@
         </p:blipFill>
         <p:spPr>
           <a:xfrm>
-            <a:off x="2093595" y="3346450"/>
+            <a:off x="2093595" y="3625850"/>
             <a:ext cx="6798945" cy="508635"/>
           </a:xfrm>
           <a:prstGeom prst="rect">
@@ -3601,7 +3638,7 @@
         </p:nvSpPr>
         <p:spPr>
           <a:xfrm>
-            <a:off x="3773170" y="5303520"/>
+            <a:off x="4009390" y="5354320"/>
             <a:ext cx="445135" cy="368300"/>
           </a:xfrm>
           <a:prstGeom prst="rect">
@@ -3630,8 +3667,8 @@
         </p:nvSpPr>
         <p:spPr>
           <a:xfrm>
-            <a:off x="4107180" y="5169535"/>
-            <a:ext cx="3983990" cy="635635"/>
+            <a:off x="4366895" y="5120005"/>
+            <a:ext cx="3983990" cy="871855"/>
           </a:xfrm>
           <a:prstGeom prst="rect">
             <a:avLst/>
@@ -3677,62 +3714,6 @@
                 <a:sym typeface="+mn-ea"/>
               </a:rPr>
               <a:t>               ‘ ’ :   [0, 0, 0, 0, 0, 0, 0, 0, 0, 0, 0, 0, 0, 0, 0, 0, 0, 0, 0, 0] }</a:t>
-            </a:r>
-            <a:endParaRPr lang="en-US" sz="1000"/>
-          </a:p>
-        </p:txBody>
-      </p:sp>
-      <p:sp>
-        <p:nvSpPr>
-          <p:cNvPr id="20" name="文本框 19"/>
-          <p:cNvSpPr txBox="1"/>
-          <p:nvPr/>
-        </p:nvSpPr>
-        <p:spPr>
-          <a:xfrm>
-            <a:off x="104140" y="5671820"/>
-            <a:ext cx="3743325" cy="635635"/>
-          </a:xfrm>
-          <a:prstGeom prst="rect">
-            <a:avLst/>
-          </a:prstGeom>
-          <a:noFill/>
-        </p:spPr>
-        <p:txBody>
-          <a:bodyPr wrap="square" rtlCol="0">
-            <a:noAutofit/>
-          </a:bodyPr>
-          <a:p>
-            <a:r>
-              <a:rPr lang="en-US" sz="1000"/>
-              <a:t>TRB : 'C': { [0, 1, 0, 0, 0, 0, 0, 0, 0, 0, 0, 0, 0, 0, 0, 0, 0, 0, 0, 0],</a:t>
-            </a:r>
-            <a:endParaRPr lang="en-US" sz="1000"/>
-          </a:p>
-          <a:p>
-            <a:r>
-              <a:rPr lang="en-US" sz="1000"/>
-              <a:t>                                              </a:t>
-            </a:r>
-            <a:r>
-              <a:rPr lang="en-US" sz="1400"/>
-              <a:t>    ·</a:t>
-            </a:r>
-            <a:endParaRPr lang="en-US" sz="1400"/>
-          </a:p>
-          <a:p>
-            <a:r>
-              <a:rPr lang="en-US" sz="1400"/>
-              <a:t>                                     ·</a:t>
-            </a:r>
-            <a:endParaRPr lang="en-US" sz="1400"/>
-          </a:p>
-          <a:p>
-            <a:r>
-              <a:rPr lang="en-US" sz="1000">
-                <a:sym typeface="+mn-ea"/>
-              </a:rPr>
-              <a:t>          ‘ ’ :   [0, 0, 0, 0, 0, 0, 0, 0, 0, 0, 0, 0, 0, 0, 0, 0, 0, 0, 0, 0] }</a:t>
             </a:r>
             <a:endParaRPr lang="en-US" sz="1000"/>
           </a:p>
@@ -3775,7 +3756,7 @@
         </p:nvSpPr>
         <p:spPr>
           <a:xfrm>
-            <a:off x="8216265" y="5303520"/>
+            <a:off x="8453755" y="5303520"/>
             <a:ext cx="979170" cy="485775"/>
           </a:xfrm>
           <a:prstGeom prst="rightArrow">
@@ -3814,7 +3795,7 @@
         </p:nvSpPr>
         <p:spPr>
           <a:xfrm>
-            <a:off x="8350885" y="5090160"/>
+            <a:off x="8568055" y="4986020"/>
             <a:ext cx="492760" cy="368300"/>
           </a:xfrm>
           <a:prstGeom prst="rect">
@@ -3872,8 +3853,8 @@
         </p:nvSpPr>
         <p:spPr>
           <a:xfrm>
-            <a:off x="5252720" y="6071235"/>
-            <a:ext cx="2082800" cy="337185"/>
+            <a:off x="5628005" y="6287770"/>
+            <a:ext cx="1459230" cy="337185"/>
           </a:xfrm>
           <a:prstGeom prst="rect">
             <a:avLst/>

--- a/pre.pptx
+++ b/pre.pptx
@@ -111,7 +111,7 @@
   <p:extLst>
     <p:ext uri="{EFAFB233-063F-42B5-8137-9DF3F51BA10A}">
       <p15:sldGuideLst xmlns:p15="http://schemas.microsoft.com/office/powerpoint/2012/main">
-        <p15:guide id="1" orient="horz" pos="2117" userDrawn="1">
+        <p15:guide id="1" orient="horz" pos="2108" userDrawn="1">
           <p15:clr>
             <a:srgbClr val="A4A3A4"/>
           </p15:clr>
@@ -3555,14 +3555,14 @@
             </a:r>
             <a:r>
               <a:rPr lang="en-US" sz="1400"/>
-              <a:t>    ·</a:t>
+              <a:t>                    </a:t>
             </a:r>
             <a:endParaRPr lang="en-US" sz="1400"/>
           </a:p>
           <a:p>
             <a:r>
               <a:rPr lang="en-US" sz="1400"/>
-              <a:t>                                     ·</a:t>
+              <a:t>                     </a:t>
             </a:r>
             <a:endParaRPr lang="en-US" sz="1400"/>
           </a:p>
@@ -3638,7 +3638,7 @@
         </p:nvSpPr>
         <p:spPr>
           <a:xfrm>
-            <a:off x="4009390" y="5354320"/>
+            <a:off x="4051300" y="5354320"/>
             <a:ext cx="445135" cy="368300"/>
           </a:xfrm>
           <a:prstGeom prst="rect">
@@ -3667,7 +3667,7 @@
         </p:nvSpPr>
         <p:spPr>
           <a:xfrm>
-            <a:off x="4366895" y="5120005"/>
+            <a:off x="4366895" y="5148580"/>
             <a:ext cx="3983990" cy="871855"/>
           </a:xfrm>
           <a:prstGeom prst="rect">
@@ -3695,16 +3695,12 @@
               <a:rPr lang="en-US" sz="1200"/>
               <a:t>        </a:t>
             </a:r>
+            <a:endParaRPr lang="en-US" sz="1400"/>
+          </a:p>
+          <a:p>
             <a:r>
               <a:rPr lang="en-US" sz="1400"/>
-              <a:t>·</a:t>
-            </a:r>
-            <a:endParaRPr lang="en-US" sz="1400"/>
-          </a:p>
-          <a:p>
-            <a:r>
-              <a:rPr lang="en-US" sz="1400"/>
-              <a:t>                                          ·</a:t>
+              <a:t>                                          </a:t>
             </a:r>
             <a:endParaRPr lang="en-US" sz="1400"/>
           </a:p>
@@ -3879,6 +3875,64 @@
               <a:t>20</a:t>
             </a:r>
             <a:endParaRPr lang="en-US" altLang="zh-CN" sz="1600"/>
+          </a:p>
+        </p:txBody>
+      </p:sp>
+      <p:sp>
+        <p:nvSpPr>
+          <p:cNvPr id="2" name="文本框 1"/>
+          <p:cNvSpPr txBox="1"/>
+          <p:nvPr/>
+        </p:nvSpPr>
+        <p:spPr>
+          <a:xfrm rot="5400000">
+            <a:off x="1988185" y="5408930"/>
+            <a:ext cx="635000" cy="424180"/>
+          </a:xfrm>
+          <a:prstGeom prst="rect">
+            <a:avLst/>
+          </a:prstGeom>
+          <a:noFill/>
+        </p:spPr>
+        <p:txBody>
+          <a:bodyPr wrap="square" rtlCol="0">
+            <a:noAutofit/>
+          </a:bodyPr>
+          <a:p>
+            <a:r>
+              <a:rPr lang="en-US" altLang="zh-CN"/>
+              <a:t>......</a:t>
+            </a:r>
+            <a:endParaRPr lang="en-US" altLang="zh-CN"/>
+          </a:p>
+        </p:txBody>
+      </p:sp>
+      <p:sp>
+        <p:nvSpPr>
+          <p:cNvPr id="5" name="文本框 4"/>
+          <p:cNvSpPr txBox="1"/>
+          <p:nvPr/>
+        </p:nvSpPr>
+        <p:spPr>
+          <a:xfrm rot="5400000">
+            <a:off x="6214745" y="5372100"/>
+            <a:ext cx="635000" cy="424180"/>
+          </a:xfrm>
+          <a:prstGeom prst="rect">
+            <a:avLst/>
+          </a:prstGeom>
+          <a:noFill/>
+        </p:spPr>
+        <p:txBody>
+          <a:bodyPr wrap="square" rtlCol="0">
+            <a:noAutofit/>
+          </a:bodyPr>
+          <a:p>
+            <a:r>
+              <a:rPr lang="en-US" altLang="zh-CN"/>
+              <a:t>......</a:t>
+            </a:r>
+            <a:endParaRPr lang="en-US" altLang="zh-CN"/>
           </a:p>
         </p:txBody>
       </p:sp>
